--- a/zzz MEDIA/Excel Basics.pptx
+++ b/zzz MEDIA/Excel Basics.pptx
@@ -5,7 +5,7 @@
     <p:sldMasterId id="2147483663" r:id="rId1"/>
   </p:sldMasterIdLst>
   <p:notesMasterIdLst>
-    <p:notesMasterId r:id="rId10"/>
+    <p:notesMasterId r:id="rId11"/>
   </p:notesMasterIdLst>
   <p:sldIdLst>
     <p:sldId id="256" r:id="rId2"/>
@@ -14,8 +14,9 @@
     <p:sldId id="258" r:id="rId5"/>
     <p:sldId id="259" r:id="rId6"/>
     <p:sldId id="261" r:id="rId7"/>
-    <p:sldId id="262" r:id="rId8"/>
-    <p:sldId id="263" r:id="rId9"/>
+    <p:sldId id="264" r:id="rId8"/>
+    <p:sldId id="262" r:id="rId9"/>
+    <p:sldId id="263" r:id="rId10"/>
   </p:sldIdLst>
   <p:sldSz cx="9144000" cy="6858000" type="screen4x3"/>
   <p:notesSz cx="6950075" cy="9236075"/>
@@ -1707,7 +1708,7 @@
               </a:spcAft>
               <a:buNone/>
             </a:pPr>
-            <a:endParaRPr sz="1000"/>
+            <a:endParaRPr sz="1000" dirty="0"/>
           </a:p>
           <a:p>
             <a:pPr marL="0" marR="0" lvl="0" indent="0" algn="l" rtl="0">
@@ -1719,7 +1720,7 @@
               </a:spcAft>
               <a:buNone/>
             </a:pPr>
-            <a:endParaRPr sz="1000"/>
+            <a:endParaRPr sz="1000" dirty="0"/>
           </a:p>
           <a:p>
             <a:pPr marL="0" marR="0" lvl="0" indent="0" algn="l" rtl="0">
@@ -1732,10 +1733,10 @@
               <a:buNone/>
             </a:pPr>
             <a:r>
-              <a:rPr lang="en-US" sz="1000"/>
+              <a:rPr lang="en-US" sz="1000" dirty="0"/>
               <a:t> </a:t>
             </a:r>
-            <a:endParaRPr sz="1000"/>
+            <a:endParaRPr sz="1000" dirty="0"/>
           </a:p>
         </p:txBody>
       </p:sp>
@@ -2366,7 +2367,7 @@
     </p:spTree>
     <p:extLst>
       <p:ext uri="{BB962C8B-B14F-4D97-AF65-F5344CB8AC3E}">
-        <p14:creationId xmlns:p14="http://schemas.microsoft.com/office/powerpoint/2010/main" val="2368151828"/>
+        <p14:creationId xmlns:p14="http://schemas.microsoft.com/office/powerpoint/2010/main" val="2901466927"/>
       </p:ext>
     </p:extLst>
   </p:cSld>
@@ -2438,6 +2439,181 @@
                 <a:sym typeface="Arial"/>
               </a:rPr>
               <a:t>8</a:t>
+            </a:fld>
+            <a:endParaRPr sz="1200">
+              <a:solidFill>
+                <a:schemeClr val="dk1"/>
+              </a:solidFill>
+              <a:latin typeface="Arial"/>
+              <a:ea typeface="Arial"/>
+              <a:cs typeface="Arial"/>
+              <a:sym typeface="Arial"/>
+            </a:endParaRPr>
+          </a:p>
+        </p:txBody>
+      </p:sp>
+      <p:sp>
+        <p:nvSpPr>
+          <p:cNvPr id="93" name="Shape 93"/>
+          <p:cNvSpPr>
+            <a:spLocks noGrp="1" noRot="1" noChangeAspect="1"/>
+          </p:cNvSpPr>
+          <p:nvPr>
+            <p:ph type="sldImg" idx="2"/>
+          </p:nvPr>
+        </p:nvSpPr>
+        <p:spPr>
+          <a:xfrm>
+            <a:off x="1165225" y="692150"/>
+            <a:ext cx="4619625" cy="3463925"/>
+          </a:xfrm>
+          <a:custGeom>
+            <a:avLst/>
+            <a:gdLst/>
+            <a:ahLst/>
+            <a:cxnLst/>
+            <a:rect l="0" t="0" r="0" b="0"/>
+            <a:pathLst>
+              <a:path w="120000" h="120000" extrusionOk="0">
+                <a:moveTo>
+                  <a:pt x="0" y="0"/>
+                </a:moveTo>
+                <a:lnTo>
+                  <a:pt x="120000" y="0"/>
+                </a:lnTo>
+                <a:lnTo>
+                  <a:pt x="120000" y="120000"/>
+                </a:lnTo>
+                <a:lnTo>
+                  <a:pt x="0" y="120000"/>
+                </a:lnTo>
+                <a:close/>
+              </a:path>
+            </a:pathLst>
+          </a:custGeom>
+          <a:noFill/>
+          <a:ln>
+            <a:noFill/>
+          </a:ln>
+        </p:spPr>
+      </p:sp>
+      <p:sp>
+        <p:nvSpPr>
+          <p:cNvPr id="94" name="Shape 94"/>
+          <p:cNvSpPr txBox="1">
+            <a:spLocks noGrp="1"/>
+          </p:cNvSpPr>
+          <p:nvPr>
+            <p:ph type="body" idx="1"/>
+          </p:nvPr>
+        </p:nvSpPr>
+        <p:spPr>
+          <a:xfrm>
+            <a:off x="695325" y="4387850"/>
+            <a:ext cx="5945188" cy="4156075"/>
+          </a:xfrm>
+          <a:prstGeom prst="rect">
+            <a:avLst/>
+          </a:prstGeom>
+          <a:noFill/>
+          <a:ln>
+            <a:noFill/>
+          </a:ln>
+        </p:spPr>
+        <p:txBody>
+          <a:bodyPr spcFirstLastPara="1" wrap="square" lIns="91375" tIns="45675" rIns="91375" bIns="45675" anchor="t" anchorCtr="0">
+            <a:noAutofit/>
+          </a:bodyPr>
+          <a:lstStyle/>
+          <a:p>
+            <a:pPr marL="0" marR="0" lvl="0" indent="0" algn="l" rtl="0">
+              <a:spcBef>
+                <a:spcPts val="0"/>
+              </a:spcBef>
+              <a:spcAft>
+                <a:spcPts val="0"/>
+              </a:spcAft>
+              <a:buNone/>
+            </a:pPr>
+            <a:endParaRPr sz="1000" dirty="0"/>
+          </a:p>
+        </p:txBody>
+      </p:sp>
+    </p:spTree>
+    <p:extLst>
+      <p:ext uri="{BB962C8B-B14F-4D97-AF65-F5344CB8AC3E}">
+        <p14:creationId xmlns:p14="http://schemas.microsoft.com/office/powerpoint/2010/main" val="2368151828"/>
+      </p:ext>
+    </p:extLst>
+  </p:cSld>
+  <p:clrMapOvr>
+    <a:masterClrMapping/>
+  </p:clrMapOvr>
+</p:notes>
+</file>
+
+<file path=ppt/notesSlides/notesSlide8.xml><?xml version="1.0" encoding="utf-8"?>
+<p:notes xmlns:a="http://schemas.openxmlformats.org/drawingml/2006/main" xmlns:r="http://schemas.openxmlformats.org/officeDocument/2006/relationships" xmlns:p="http://schemas.openxmlformats.org/presentationml/2006/main" showMasterSp="0" showMasterPhAnim="0">
+  <p:cSld>
+    <p:spTree>
+      <p:nvGrpSpPr>
+        <p:cNvPr id="1" name="Shape 91"/>
+        <p:cNvGrpSpPr/>
+        <p:nvPr/>
+      </p:nvGrpSpPr>
+      <p:grpSpPr>
+        <a:xfrm>
+          <a:off x="0" y="0"/>
+          <a:ext cx="0" cy="0"/>
+          <a:chOff x="0" y="0"/>
+          <a:chExt cx="0" cy="0"/>
+        </a:xfrm>
+      </p:grpSpPr>
+      <p:sp>
+        <p:nvSpPr>
+          <p:cNvPr id="92" name="Shape 92"/>
+          <p:cNvSpPr txBox="1"/>
+          <p:nvPr/>
+        </p:nvSpPr>
+        <p:spPr>
+          <a:xfrm>
+            <a:off x="3937000" y="8772525"/>
+            <a:ext cx="3011488" cy="461963"/>
+          </a:xfrm>
+          <a:prstGeom prst="rect">
+            <a:avLst/>
+          </a:prstGeom>
+          <a:noFill/>
+          <a:ln>
+            <a:noFill/>
+          </a:ln>
+        </p:spPr>
+        <p:txBody>
+          <a:bodyPr spcFirstLastPara="1" wrap="square" lIns="91375" tIns="45675" rIns="91375" bIns="45675" anchor="b" anchorCtr="0">
+            <a:noAutofit/>
+          </a:bodyPr>
+          <a:lstStyle/>
+          <a:p>
+            <a:pPr marL="0" marR="0" lvl="0" indent="0" algn="r" rtl="0">
+              <a:spcBef>
+                <a:spcPts val="0"/>
+              </a:spcBef>
+              <a:spcAft>
+                <a:spcPts val="0"/>
+              </a:spcAft>
+              <a:buNone/>
+            </a:pPr>
+            <a:fld id="{00000000-1234-1234-1234-123412341234}" type="slidenum">
+              <a:rPr lang="en-US" sz="1200">
+                <a:solidFill>
+                  <a:schemeClr val="dk1"/>
+                </a:solidFill>
+                <a:latin typeface="Arial"/>
+                <a:ea typeface="Arial"/>
+                <a:cs typeface="Arial"/>
+                <a:sym typeface="Arial"/>
+              </a:rPr>
+              <a:t>9</a:t>
             </a:fld>
             <a:endParaRPr sz="1200">
               <a:solidFill>
@@ -14097,6 +14273,355 @@
                   <a:srgbClr val="820009"/>
                 </a:solidFill>
               </a:rPr>
+              <a:t>Introduction to the Formula Bar</a:t>
+            </a:r>
+            <a:endParaRPr sz="2400" b="1" dirty="0">
+              <a:solidFill>
+                <a:srgbClr val="820009"/>
+              </a:solidFill>
+              <a:latin typeface="Arial"/>
+              <a:ea typeface="Arial"/>
+              <a:cs typeface="Arial"/>
+              <a:sym typeface="Arial"/>
+            </a:endParaRPr>
+          </a:p>
+        </p:txBody>
+      </p:sp>
+      <p:graphicFrame>
+        <p:nvGraphicFramePr>
+          <p:cNvPr id="99" name="Shape 99"/>
+          <p:cNvGraphicFramePr/>
+          <p:nvPr/>
+        </p:nvGraphicFramePr>
+        <p:xfrm>
+          <a:off x="5623560" y="560070"/>
+          <a:ext cx="208300" cy="365770"/>
+        </p:xfrm>
+        <a:graphic>
+          <a:graphicData uri="http://schemas.openxmlformats.org/drawingml/2006/table">
+            <a:tbl>
+              <a:tblPr>
+                <a:noFill/>
+                <a:tableStyleId>{3E517AEF-C05D-40B9-8274-1AED4C133E0D}</a:tableStyleId>
+              </a:tblPr>
+              <a:tblGrid>
+                <a:gridCol w="208300">
+                  <a:extLst>
+                    <a:ext uri="{9D8B030D-6E8A-4147-A177-3AD203B41FA5}">
+                      <a16:colId xmlns:a16="http://schemas.microsoft.com/office/drawing/2014/main" val="20000"/>
+                    </a:ext>
+                  </a:extLst>
+                </a:gridCol>
+              </a:tblGrid>
+              <a:tr h="0">
+                <a:tc>
+                  <a:txBody>
+                    <a:bodyPr/>
+                    <a:lstStyle/>
+                    <a:p>
+                      <a:pPr marL="0" marR="0" lvl="0" indent="0" algn="l" rtl="0">
+                        <a:spcBef>
+                          <a:spcPts val="0"/>
+                        </a:spcBef>
+                        <a:spcAft>
+                          <a:spcPts val="0"/>
+                        </a:spcAft>
+                        <a:buNone/>
+                      </a:pPr>
+                      <a:endParaRPr sz="1800"/>
+                    </a:p>
+                  </a:txBody>
+                  <a:tcPr marL="91450" marR="91450" marT="45725" marB="45725">
+                    <a:lnL w="9525" cap="flat" cmpd="sng">
+                      <a:solidFill>
+                        <a:srgbClr val="000000">
+                          <a:alpha val="0"/>
+                        </a:srgbClr>
+                      </a:solidFill>
+                      <a:prstDash val="solid"/>
+                      <a:round/>
+                      <a:headEnd type="none" w="sm" len="sm"/>
+                      <a:tailEnd type="none" w="sm" len="sm"/>
+                    </a:lnL>
+                    <a:lnR w="9525" cap="flat" cmpd="sng">
+                      <a:solidFill>
+                        <a:srgbClr val="000000">
+                          <a:alpha val="0"/>
+                        </a:srgbClr>
+                      </a:solidFill>
+                      <a:prstDash val="solid"/>
+                      <a:round/>
+                      <a:headEnd type="none" w="sm" len="sm"/>
+                      <a:tailEnd type="none" w="sm" len="sm"/>
+                    </a:lnR>
+                    <a:lnT w="9525" cap="flat" cmpd="sng">
+                      <a:solidFill>
+                        <a:srgbClr val="000000">
+                          <a:alpha val="0"/>
+                        </a:srgbClr>
+                      </a:solidFill>
+                      <a:prstDash val="solid"/>
+                      <a:round/>
+                      <a:headEnd type="none" w="sm" len="sm"/>
+                      <a:tailEnd type="none" w="sm" len="sm"/>
+                    </a:lnT>
+                    <a:lnB w="9525" cap="flat" cmpd="sng">
+                      <a:solidFill>
+                        <a:srgbClr val="000000">
+                          <a:alpha val="0"/>
+                        </a:srgbClr>
+                      </a:solidFill>
+                      <a:prstDash val="solid"/>
+                      <a:round/>
+                      <a:headEnd type="none" w="sm" len="sm"/>
+                      <a:tailEnd type="none" w="sm" len="sm"/>
+                    </a:lnB>
+                  </a:tcPr>
+                </a:tc>
+                <a:extLst>
+                  <a:ext uri="{0D108BD9-81ED-4DB2-BD59-A6C34878D82A}">
+                    <a16:rowId xmlns:a16="http://schemas.microsoft.com/office/drawing/2014/main" val="10000"/>
+                  </a:ext>
+                </a:extLst>
+              </a:tr>
+            </a:tbl>
+          </a:graphicData>
+        </a:graphic>
+      </p:graphicFrame>
+      <p:sp>
+        <p:nvSpPr>
+          <p:cNvPr id="2" name="TextBox 1">
+            <a:extLst>
+              <a:ext uri="{FF2B5EF4-FFF2-40B4-BE49-F238E27FC236}">
+                <a16:creationId xmlns:a16="http://schemas.microsoft.com/office/drawing/2014/main" id="{4961FB9B-7ED8-445B-8BDE-9B013F57F513}"/>
+              </a:ext>
+            </a:extLst>
+          </p:cNvPr>
+          <p:cNvSpPr txBox="1"/>
+          <p:nvPr/>
+        </p:nvSpPr>
+        <p:spPr>
+          <a:xfrm>
+            <a:off x="474562" y="1030147"/>
+            <a:ext cx="8171727" cy="954107"/>
+          </a:xfrm>
+          <a:prstGeom prst="rect">
+            <a:avLst/>
+          </a:prstGeom>
+          <a:noFill/>
+        </p:spPr>
+        <p:txBody>
+          <a:bodyPr wrap="square" rtlCol="0">
+            <a:spAutoFit/>
+          </a:bodyPr>
+          <a:lstStyle/>
+          <a:p>
+            <a:pPr marL="285750" indent="-285750">
+              <a:buFont typeface="Arial" panose="020B0604020202020204" pitchFamily="34" charset="0"/>
+              <a:buChar char="•"/>
+            </a:pPr>
+            <a:r>
+              <a:rPr lang="en-US" dirty="0"/>
+              <a:t>The formula bar allows you to input instructions into a cell</a:t>
+            </a:r>
+          </a:p>
+          <a:p>
+            <a:pPr marL="285750" indent="-285750">
+              <a:buFont typeface="Arial" panose="020B0604020202020204" pitchFamily="34" charset="0"/>
+              <a:buChar char="•"/>
+            </a:pPr>
+            <a:r>
+              <a:rPr lang="en-US" dirty="0"/>
+              <a:t>Raw values can be directly input while calculations require an “=“ sign</a:t>
+            </a:r>
+          </a:p>
+          <a:p>
+            <a:pPr marL="285750" indent="-285750">
+              <a:buFont typeface="Arial" panose="020B0604020202020204" pitchFamily="34" charset="0"/>
+              <a:buChar char="•"/>
+            </a:pPr>
+            <a:r>
+              <a:rPr lang="en-US" dirty="0"/>
+              <a:t>You may reference the values contained in other cells by using that cell’s Column and Row address, e.g. (A1)</a:t>
+            </a:r>
+          </a:p>
+        </p:txBody>
+      </p:sp>
+      <p:pic>
+        <p:nvPicPr>
+          <p:cNvPr id="1026" name="Picture 2" descr="Image result for excel the formula bar image">
+            <a:extLst>
+              <a:ext uri="{FF2B5EF4-FFF2-40B4-BE49-F238E27FC236}">
+                <a16:creationId xmlns:a16="http://schemas.microsoft.com/office/drawing/2014/main" id="{FCA0A645-15C0-491B-A630-5068F3A4AE01}"/>
+              </a:ext>
+            </a:extLst>
+          </p:cNvPr>
+          <p:cNvPicPr>
+            <a:picLocks noChangeAspect="1" noChangeArrowheads="1"/>
+          </p:cNvPicPr>
+          <p:nvPr/>
+        </p:nvPicPr>
+        <p:blipFill>
+          <a:blip r:embed="rId3">
+            <a:extLst>
+              <a:ext uri="{28A0092B-C50C-407E-A947-70E740481C1C}">
+                <a14:useLocalDpi xmlns:a14="http://schemas.microsoft.com/office/drawing/2010/main" val="0"/>
+              </a:ext>
+            </a:extLst>
+          </a:blip>
+          <a:srcRect/>
+          <a:stretch>
+            <a:fillRect/>
+          </a:stretch>
+        </p:blipFill>
+        <p:spPr bwMode="auto">
+          <a:xfrm>
+            <a:off x="1700543" y="2277466"/>
+            <a:ext cx="5719763" cy="3161309"/>
+          </a:xfrm>
+          <a:prstGeom prst="rect">
+            <a:avLst/>
+          </a:prstGeom>
+          <a:noFill/>
+          <a:extLst>
+            <a:ext uri="{909E8E84-426E-40DD-AFC4-6F175D3DCCD1}">
+              <a14:hiddenFill xmlns:a14="http://schemas.microsoft.com/office/drawing/2010/main">
+                <a:solidFill>
+                  <a:srgbClr val="FFFFFF"/>
+                </a:solidFill>
+              </a14:hiddenFill>
+            </a:ext>
+          </a:extLst>
+        </p:spPr>
+      </p:pic>
+    </p:spTree>
+    <p:extLst>
+      <p:ext uri="{BB962C8B-B14F-4D97-AF65-F5344CB8AC3E}">
+        <p14:creationId xmlns:p14="http://schemas.microsoft.com/office/powerpoint/2010/main" val="1405160139"/>
+      </p:ext>
+    </p:extLst>
+  </p:cSld>
+  <p:clrMapOvr>
+    <a:masterClrMapping/>
+  </p:clrMapOvr>
+</p:sld>
+</file>
+
+<file path=ppt/slides/slide8.xml><?xml version="1.0" encoding="utf-8"?>
+<p:sld xmlns:a="http://schemas.openxmlformats.org/drawingml/2006/main" xmlns:r="http://schemas.openxmlformats.org/officeDocument/2006/relationships" xmlns:p="http://schemas.openxmlformats.org/presentationml/2006/main">
+  <p:cSld>
+    <p:spTree>
+      <p:nvGrpSpPr>
+        <p:cNvPr id="1" name="Shape 95"/>
+        <p:cNvGrpSpPr/>
+        <p:nvPr/>
+      </p:nvGrpSpPr>
+      <p:grpSpPr>
+        <a:xfrm>
+          <a:off x="0" y="0"/>
+          <a:ext cx="0" cy="0"/>
+          <a:chOff x="0" y="0"/>
+          <a:chExt cx="0" cy="0"/>
+        </a:xfrm>
+      </p:grpSpPr>
+      <p:sp>
+        <p:nvSpPr>
+          <p:cNvPr id="96" name="Shape 96"/>
+          <p:cNvSpPr txBox="1"/>
+          <p:nvPr/>
+        </p:nvSpPr>
+        <p:spPr>
+          <a:xfrm>
+            <a:off x="4343400" y="6172200"/>
+            <a:ext cx="457200" cy="457200"/>
+          </a:xfrm>
+          <a:prstGeom prst="rect">
+            <a:avLst/>
+          </a:prstGeom>
+          <a:noFill/>
+          <a:ln>
+            <a:noFill/>
+          </a:ln>
+        </p:spPr>
+        <p:txBody>
+          <a:bodyPr spcFirstLastPara="1" wrap="square" lIns="91425" tIns="45700" rIns="91425" bIns="45700" anchor="t" anchorCtr="0">
+            <a:noAutofit/>
+          </a:bodyPr>
+          <a:lstStyle/>
+          <a:p>
+            <a:pPr marL="0" marR="0" lvl="0" indent="0" algn="ctr" rtl="0">
+              <a:spcBef>
+                <a:spcPts val="0"/>
+              </a:spcBef>
+              <a:spcAft>
+                <a:spcPts val="0"/>
+              </a:spcAft>
+              <a:buNone/>
+            </a:pPr>
+            <a:fld id="{00000000-1234-1234-1234-123412341234}" type="slidenum">
+              <a:rPr lang="en-US" sz="1000">
+                <a:solidFill>
+                  <a:schemeClr val="dk1"/>
+                </a:solidFill>
+                <a:latin typeface="Arial"/>
+                <a:ea typeface="Arial"/>
+                <a:cs typeface="Arial"/>
+                <a:sym typeface="Arial"/>
+              </a:rPr>
+              <a:t>8</a:t>
+            </a:fld>
+            <a:endParaRPr sz="1000">
+              <a:solidFill>
+                <a:schemeClr val="dk1"/>
+              </a:solidFill>
+              <a:latin typeface="Arial"/>
+              <a:ea typeface="Arial"/>
+              <a:cs typeface="Arial"/>
+              <a:sym typeface="Arial"/>
+            </a:endParaRPr>
+          </a:p>
+        </p:txBody>
+      </p:sp>
+      <p:sp>
+        <p:nvSpPr>
+          <p:cNvPr id="97" name="Shape 97"/>
+          <p:cNvSpPr txBox="1"/>
+          <p:nvPr/>
+        </p:nvSpPr>
+        <p:spPr>
+          <a:xfrm>
+            <a:off x="381000" y="223650"/>
+            <a:ext cx="8382000" cy="457200"/>
+          </a:xfrm>
+          <a:prstGeom prst="rect">
+            <a:avLst/>
+          </a:prstGeom>
+          <a:noFill/>
+          <a:ln>
+            <a:noFill/>
+          </a:ln>
+        </p:spPr>
+        <p:txBody>
+          <a:bodyPr spcFirstLastPara="1" wrap="square" lIns="91425" tIns="45700" rIns="91425" bIns="45700" anchor="t" anchorCtr="0">
+            <a:noAutofit/>
+          </a:bodyPr>
+          <a:lstStyle/>
+          <a:p>
+            <a:pPr marL="0" marR="0" lvl="0" indent="0" algn="l" rtl="0">
+              <a:spcBef>
+                <a:spcPts val="0"/>
+              </a:spcBef>
+              <a:spcAft>
+                <a:spcPts val="0"/>
+              </a:spcAft>
+              <a:buNone/>
+            </a:pPr>
+            <a:r>
+              <a:rPr lang="en-US" sz="2400" b="1" dirty="0">
+                <a:solidFill>
+                  <a:srgbClr val="820009"/>
+                </a:solidFill>
+              </a:rPr>
               <a:t>Relative vs. Absolute References</a:t>
             </a:r>
             <a:endParaRPr sz="2400" b="1" dirty="0">
@@ -14360,7 +14885,7 @@
 </p:sld>
 </file>
 
-<file path=ppt/slides/slide8.xml><?xml version="1.0" encoding="utf-8"?>
+<file path=ppt/slides/slide9.xml><?xml version="1.0" encoding="utf-8"?>
 <p:sld xmlns:a="http://schemas.openxmlformats.org/drawingml/2006/main" xmlns:r="http://schemas.openxmlformats.org/officeDocument/2006/relationships" xmlns:p="http://schemas.openxmlformats.org/presentationml/2006/main">
   <p:cSld>
     <p:spTree>
@@ -14421,7 +14946,7 @@
                 <a:cs typeface="Arial"/>
                 <a:sym typeface="Arial"/>
               </a:rPr>
-              <a:t>8</a:t>
+              <a:t>9</a:t>
             </a:fld>
             <a:endParaRPr sz="1000">
               <a:solidFill>

--- a/zzz MEDIA/Excel Basics.pptx
+++ b/zzz MEDIA/Excel Basics.pptx
@@ -5,7 +5,7 @@
     <p:sldMasterId id="2147483663" r:id="rId1"/>
   </p:sldMasterIdLst>
   <p:notesMasterIdLst>
-    <p:notesMasterId r:id="rId11"/>
+    <p:notesMasterId r:id="rId14"/>
   </p:notesMasterIdLst>
   <p:sldIdLst>
     <p:sldId id="256" r:id="rId2"/>
@@ -17,6 +17,9 @@
     <p:sldId id="264" r:id="rId8"/>
     <p:sldId id="262" r:id="rId9"/>
     <p:sldId id="263" r:id="rId10"/>
+    <p:sldId id="265" r:id="rId11"/>
+    <p:sldId id="266" r:id="rId12"/>
+    <p:sldId id="267" r:id="rId13"/>
   </p:sldIdLst>
   <p:sldSz cx="9144000" cy="6858000" type="screen4x3"/>
   <p:notesSz cx="6950075" cy="9236075"/>
@@ -255,6 +258,10 @@
     </p:ext>
   </p:extLst>
 </p:presentation>
+</file>
+
+<file path=ppt/revisionInfo.xml><?xml version="1.0" encoding="utf-8"?>
+<p1510:revInfo xmlns:a="http://schemas.openxmlformats.org/drawingml/2006/main" xmlns:r="http://schemas.openxmlformats.org/officeDocument/2006/relationships" xmlns:p1510="http://schemas.microsoft.com/office/powerpoint/2015/10/main"/>
 </file>
 
 <file path=ppt/notesMasters/notesMaster1.xml><?xml version="1.0" encoding="utf-8"?>
@@ -2718,6 +2725,115 @@
     <p:extLst>
       <p:ext uri="{BB962C8B-B14F-4D97-AF65-F5344CB8AC3E}">
         <p14:creationId xmlns:p14="http://schemas.microsoft.com/office/powerpoint/2010/main" val="1489356558"/>
+      </p:ext>
+    </p:extLst>
+  </p:cSld>
+  <p:clrMapOvr>
+    <a:masterClrMapping/>
+  </p:clrMapOvr>
+</p:notes>
+</file>
+
+<file path=ppt/notesSlides/notesSlide9.xml><?xml version="1.0" encoding="utf-8"?>
+<p:notes xmlns:a="http://schemas.openxmlformats.org/drawingml/2006/main" xmlns:r="http://schemas.openxmlformats.org/officeDocument/2006/relationships" xmlns:p="http://schemas.openxmlformats.org/presentationml/2006/main">
+  <p:cSld>
+    <p:spTree>
+      <p:nvGrpSpPr>
+        <p:cNvPr id="1" name=""/>
+        <p:cNvGrpSpPr/>
+        <p:nvPr/>
+      </p:nvGrpSpPr>
+      <p:grpSpPr>
+        <a:xfrm>
+          <a:off x="0" y="0"/>
+          <a:ext cx="0" cy="0"/>
+          <a:chOff x="0" y="0"/>
+          <a:chExt cx="0" cy="0"/>
+        </a:xfrm>
+      </p:grpSpPr>
+      <p:sp>
+        <p:nvSpPr>
+          <p:cNvPr id="2" name="Slide Image Placeholder 1"/>
+          <p:cNvSpPr>
+            <a:spLocks noGrp="1" noRot="1" noChangeAspect="1"/>
+          </p:cNvSpPr>
+          <p:nvPr>
+            <p:ph type="sldImg"/>
+          </p:nvPr>
+        </p:nvSpPr>
+        <p:spPr/>
+      </p:sp>
+      <p:sp>
+        <p:nvSpPr>
+          <p:cNvPr id="3" name="Notes Placeholder 2"/>
+          <p:cNvSpPr>
+            <a:spLocks noGrp="1"/>
+          </p:cNvSpPr>
+          <p:nvPr>
+            <p:ph type="body" idx="1"/>
+          </p:nvPr>
+        </p:nvSpPr>
+        <p:spPr/>
+        <p:txBody>
+          <a:bodyPr/>
+          <a:lstStyle/>
+          <a:p>
+            <a:endParaRPr lang="en-US" dirty="0"/>
+          </a:p>
+        </p:txBody>
+      </p:sp>
+      <p:sp>
+        <p:nvSpPr>
+          <p:cNvPr id="4" name="Slide Number Placeholder 3"/>
+          <p:cNvSpPr>
+            <a:spLocks noGrp="1"/>
+          </p:cNvSpPr>
+          <p:nvPr>
+            <p:ph type="sldNum" idx="10"/>
+          </p:nvPr>
+        </p:nvSpPr>
+        <p:spPr/>
+        <p:txBody>
+          <a:bodyPr/>
+          <a:lstStyle/>
+          <a:p>
+            <a:pPr marL="0" marR="0" lvl="0" indent="0" algn="r" rtl="0">
+              <a:spcBef>
+                <a:spcPts val="0"/>
+              </a:spcBef>
+              <a:spcAft>
+                <a:spcPts val="0"/>
+              </a:spcAft>
+              <a:buNone/>
+            </a:pPr>
+            <a:fld id="{00000000-1234-1234-1234-123412341234}" type="slidenum">
+              <a:rPr lang="en-US" sz="1200" b="0" i="0" u="none" strike="noStrike" cap="none" smtClean="0">
+                <a:solidFill>
+                  <a:schemeClr val="dk1"/>
+                </a:solidFill>
+                <a:latin typeface="Arial"/>
+                <a:ea typeface="Arial"/>
+                <a:cs typeface="Arial"/>
+                <a:sym typeface="Arial"/>
+              </a:rPr>
+              <a:t>10</a:t>
+            </a:fld>
+            <a:endParaRPr lang="en-US" sz="1200" b="0" i="0" u="none" strike="noStrike" cap="none">
+              <a:solidFill>
+                <a:schemeClr val="dk1"/>
+              </a:solidFill>
+              <a:latin typeface="Arial"/>
+              <a:ea typeface="Arial"/>
+              <a:cs typeface="Arial"/>
+              <a:sym typeface="Arial"/>
+            </a:endParaRPr>
+          </a:p>
+        </p:txBody>
+      </p:sp>
+    </p:spTree>
+    <p:extLst>
+      <p:ext uri="{BB962C8B-B14F-4D97-AF65-F5344CB8AC3E}">
+        <p14:creationId xmlns:p14="http://schemas.microsoft.com/office/powerpoint/2010/main" val="924903337"/>
       </p:ext>
     </p:extLst>
   </p:cSld>
@@ -12912,6 +13028,407 @@
 </p:sld>
 </file>
 
+<file path=ppt/slides/slide10.xml><?xml version="1.0" encoding="utf-8"?>
+<p:sld xmlns:a="http://schemas.openxmlformats.org/drawingml/2006/main" xmlns:r="http://schemas.openxmlformats.org/officeDocument/2006/relationships" xmlns:p="http://schemas.openxmlformats.org/presentationml/2006/main">
+  <p:cSld>
+    <p:spTree>
+      <p:nvGrpSpPr>
+        <p:cNvPr id="1" name=""/>
+        <p:cNvGrpSpPr/>
+        <p:nvPr/>
+      </p:nvGrpSpPr>
+      <p:grpSpPr>
+        <a:xfrm>
+          <a:off x="0" y="0"/>
+          <a:ext cx="0" cy="0"/>
+          <a:chOff x="0" y="0"/>
+          <a:chExt cx="0" cy="0"/>
+        </a:xfrm>
+      </p:grpSpPr>
+      <p:sp>
+        <p:nvSpPr>
+          <p:cNvPr id="3" name="Title 2">
+            <a:extLst>
+              <a:ext uri="{FF2B5EF4-FFF2-40B4-BE49-F238E27FC236}">
+                <a16:creationId xmlns:a16="http://schemas.microsoft.com/office/drawing/2014/main" id="{EE078754-30AA-4C20-8335-D87A47D7E33D}"/>
+              </a:ext>
+            </a:extLst>
+          </p:cNvPr>
+          <p:cNvSpPr>
+            <a:spLocks noGrp="1"/>
+          </p:cNvSpPr>
+          <p:nvPr>
+            <p:ph type="title"/>
+          </p:nvPr>
+        </p:nvSpPr>
+        <p:spPr/>
+        <p:txBody>
+          <a:bodyPr/>
+          <a:lstStyle/>
+          <a:p>
+            <a:r>
+              <a:rPr lang="en-US" dirty="0"/>
+              <a:t>Useful Starting Formulas</a:t>
+            </a:r>
+          </a:p>
+        </p:txBody>
+      </p:sp>
+      <p:sp>
+        <p:nvSpPr>
+          <p:cNvPr id="2" name="Slide Number Placeholder 1">
+            <a:extLst>
+              <a:ext uri="{FF2B5EF4-FFF2-40B4-BE49-F238E27FC236}">
+                <a16:creationId xmlns:a16="http://schemas.microsoft.com/office/drawing/2014/main" id="{B93A5DA5-FF98-4920-B370-FF24EA2D0034}"/>
+              </a:ext>
+            </a:extLst>
+          </p:cNvPr>
+          <p:cNvSpPr>
+            <a:spLocks noGrp="1"/>
+          </p:cNvSpPr>
+          <p:nvPr>
+            <p:ph type="sldNum" idx="12"/>
+          </p:nvPr>
+        </p:nvSpPr>
+        <p:spPr/>
+        <p:txBody>
+          <a:bodyPr/>
+          <a:lstStyle/>
+          <a:p>
+            <a:pPr marL="0" lvl="0" indent="0">
+              <a:spcBef>
+                <a:spcPts val="0"/>
+              </a:spcBef>
+              <a:spcAft>
+                <a:spcPts val="0"/>
+              </a:spcAft>
+              <a:buNone/>
+            </a:pPr>
+            <a:fld id="{00000000-1234-1234-1234-123412341234}" type="slidenum">
+              <a:rPr lang="en-US" smtClean="0"/>
+              <a:t>10</a:t>
+            </a:fld>
+            <a:endParaRPr lang="en-US"/>
+          </a:p>
+        </p:txBody>
+      </p:sp>
+    </p:spTree>
+    <p:extLst>
+      <p:ext uri="{BB962C8B-B14F-4D97-AF65-F5344CB8AC3E}">
+        <p14:creationId xmlns:p14="http://schemas.microsoft.com/office/powerpoint/2010/main" val="2713526087"/>
+      </p:ext>
+    </p:extLst>
+  </p:cSld>
+  <p:clrMapOvr>
+    <a:masterClrMapping/>
+  </p:clrMapOvr>
+</p:sld>
+</file>
+
+<file path=ppt/slides/slide11.xml><?xml version="1.0" encoding="utf-8"?>
+<p:sld xmlns:a="http://schemas.openxmlformats.org/drawingml/2006/main" xmlns:r="http://schemas.openxmlformats.org/officeDocument/2006/relationships" xmlns:p="http://schemas.openxmlformats.org/presentationml/2006/main">
+  <p:cSld>
+    <p:spTree>
+      <p:nvGrpSpPr>
+        <p:cNvPr id="1" name=""/>
+        <p:cNvGrpSpPr/>
+        <p:nvPr/>
+      </p:nvGrpSpPr>
+      <p:grpSpPr>
+        <a:xfrm>
+          <a:off x="0" y="0"/>
+          <a:ext cx="0" cy="0"/>
+          <a:chOff x="0" y="0"/>
+          <a:chExt cx="0" cy="0"/>
+        </a:xfrm>
+      </p:grpSpPr>
+      <p:sp>
+        <p:nvSpPr>
+          <p:cNvPr id="4" name="Slide Number Placeholder 3">
+            <a:extLst>
+              <a:ext uri="{FF2B5EF4-FFF2-40B4-BE49-F238E27FC236}">
+                <a16:creationId xmlns:a16="http://schemas.microsoft.com/office/drawing/2014/main" id="{D99A43E6-010F-4D2E-A9F3-6AC22079347C}"/>
+              </a:ext>
+            </a:extLst>
+          </p:cNvPr>
+          <p:cNvSpPr>
+            <a:spLocks noGrp="1"/>
+          </p:cNvSpPr>
+          <p:nvPr>
+            <p:ph type="sldNum" idx="12"/>
+          </p:nvPr>
+        </p:nvSpPr>
+        <p:spPr/>
+        <p:txBody>
+          <a:bodyPr/>
+          <a:lstStyle/>
+          <a:p>
+            <a:pPr marL="0" lvl="0" indent="0">
+              <a:spcBef>
+                <a:spcPts val="0"/>
+              </a:spcBef>
+              <a:spcAft>
+                <a:spcPts val="0"/>
+              </a:spcAft>
+              <a:buNone/>
+            </a:pPr>
+            <a:fld id="{00000000-1234-1234-1234-123412341234}" type="slidenum">
+              <a:rPr lang="en-US" smtClean="0"/>
+              <a:t>11</a:t>
+            </a:fld>
+            <a:endParaRPr lang="en-US"/>
+          </a:p>
+        </p:txBody>
+      </p:sp>
+      <p:sp>
+        <p:nvSpPr>
+          <p:cNvPr id="8" name="Shape 97">
+            <a:extLst>
+              <a:ext uri="{FF2B5EF4-FFF2-40B4-BE49-F238E27FC236}">
+                <a16:creationId xmlns:a16="http://schemas.microsoft.com/office/drawing/2014/main" id="{6CB9A70F-5EEA-474C-890F-06097050BA7B}"/>
+              </a:ext>
+            </a:extLst>
+          </p:cNvPr>
+          <p:cNvSpPr txBox="1"/>
+          <p:nvPr/>
+        </p:nvSpPr>
+        <p:spPr>
+          <a:xfrm>
+            <a:off x="381000" y="223650"/>
+            <a:ext cx="8382000" cy="457200"/>
+          </a:xfrm>
+          <a:prstGeom prst="rect">
+            <a:avLst/>
+          </a:prstGeom>
+          <a:noFill/>
+          <a:ln>
+            <a:noFill/>
+          </a:ln>
+        </p:spPr>
+        <p:txBody>
+          <a:bodyPr spcFirstLastPara="1" wrap="square" lIns="91425" tIns="45700" rIns="91425" bIns="45700" anchor="t" anchorCtr="0">
+            <a:noAutofit/>
+          </a:bodyPr>
+          <a:lstStyle/>
+          <a:p>
+            <a:pPr marL="0" marR="0" lvl="0" indent="0" algn="l" rtl="0">
+              <a:spcBef>
+                <a:spcPts val="0"/>
+              </a:spcBef>
+              <a:spcAft>
+                <a:spcPts val="0"/>
+              </a:spcAft>
+              <a:buNone/>
+            </a:pPr>
+            <a:r>
+              <a:rPr lang="en-US" sz="2400" b="1" dirty="0">
+                <a:solidFill>
+                  <a:srgbClr val="820009"/>
+                </a:solidFill>
+              </a:rPr>
+              <a:t>Booth Analytics Club Excel Cheat Sheet</a:t>
+            </a:r>
+            <a:endParaRPr sz="2400" b="1" dirty="0">
+              <a:solidFill>
+                <a:srgbClr val="820009"/>
+              </a:solidFill>
+              <a:latin typeface="Arial"/>
+              <a:ea typeface="Arial"/>
+              <a:cs typeface="Arial"/>
+              <a:sym typeface="Arial"/>
+            </a:endParaRPr>
+          </a:p>
+        </p:txBody>
+      </p:sp>
+      <p:sp>
+        <p:nvSpPr>
+          <p:cNvPr id="9" name="TextBox 8">
+            <a:extLst>
+              <a:ext uri="{FF2B5EF4-FFF2-40B4-BE49-F238E27FC236}">
+                <a16:creationId xmlns:a16="http://schemas.microsoft.com/office/drawing/2014/main" id="{BBD654A9-2C17-43A5-BE35-85AA85B0B9BA}"/>
+              </a:ext>
+            </a:extLst>
+          </p:cNvPr>
+          <p:cNvSpPr txBox="1"/>
+          <p:nvPr/>
+        </p:nvSpPr>
+        <p:spPr>
+          <a:xfrm>
+            <a:off x="474562" y="694483"/>
+            <a:ext cx="8171727" cy="738664"/>
+          </a:xfrm>
+          <a:prstGeom prst="rect">
+            <a:avLst/>
+          </a:prstGeom>
+          <a:noFill/>
+        </p:spPr>
+        <p:txBody>
+          <a:bodyPr wrap="square" rtlCol="0">
+            <a:spAutoFit/>
+          </a:bodyPr>
+          <a:lstStyle/>
+          <a:p>
+            <a:pPr marL="285750" indent="-285750">
+              <a:buFont typeface="Arial" panose="020B0604020202020204" pitchFamily="34" charset="0"/>
+              <a:buChar char="•"/>
+            </a:pPr>
+            <a:r>
+              <a:rPr lang="en-US" dirty="0"/>
+              <a:t>The Booth Analytics Club has prepared a cheat sheet that covers formulas and shortcuts that are particularly valuable to MBAs starting out with Excel. We’ve included the formulas in the following pages but the cheat sheet itself can be </a:t>
+            </a:r>
+            <a:r>
+              <a:rPr lang="en-US" dirty="0">
+                <a:hlinkClick r:id="rId2"/>
+              </a:rPr>
+              <a:t>downloaded here</a:t>
+            </a:r>
+            <a:r>
+              <a:rPr lang="en-US" dirty="0"/>
+              <a:t>.</a:t>
+            </a:r>
+          </a:p>
+        </p:txBody>
+      </p:sp>
+      <p:pic>
+        <p:nvPicPr>
+          <p:cNvPr id="10" name="Picture 9">
+            <a:extLst>
+              <a:ext uri="{FF2B5EF4-FFF2-40B4-BE49-F238E27FC236}">
+                <a16:creationId xmlns:a16="http://schemas.microsoft.com/office/drawing/2014/main" id="{9B18F8AB-2D44-41A2-B294-E7B0F5F2B3C9}"/>
+              </a:ext>
+            </a:extLst>
+          </p:cNvPr>
+          <p:cNvPicPr>
+            <a:picLocks noChangeAspect="1"/>
+          </p:cNvPicPr>
+          <p:nvPr/>
+        </p:nvPicPr>
+        <p:blipFill>
+          <a:blip r:embed="rId3"/>
+          <a:stretch>
+            <a:fillRect/>
+          </a:stretch>
+        </p:blipFill>
+        <p:spPr>
+          <a:xfrm>
+            <a:off x="1303626" y="1660771"/>
+            <a:ext cx="6513598" cy="4283804"/>
+          </a:xfrm>
+          <a:prstGeom prst="rect">
+            <a:avLst/>
+          </a:prstGeom>
+        </p:spPr>
+      </p:pic>
+    </p:spTree>
+    <p:extLst>
+      <p:ext uri="{BB962C8B-B14F-4D97-AF65-F5344CB8AC3E}">
+        <p14:creationId xmlns:p14="http://schemas.microsoft.com/office/powerpoint/2010/main" val="2746581445"/>
+      </p:ext>
+    </p:extLst>
+  </p:cSld>
+  <p:clrMapOvr>
+    <a:masterClrMapping/>
+  </p:clrMapOvr>
+</p:sld>
+</file>
+
+<file path=ppt/slides/slide12.xml><?xml version="1.0" encoding="utf-8"?>
+<p:sld xmlns:a="http://schemas.openxmlformats.org/drawingml/2006/main" xmlns:r="http://schemas.openxmlformats.org/officeDocument/2006/relationships" xmlns:p="http://schemas.openxmlformats.org/presentationml/2006/main">
+  <p:cSld>
+    <p:spTree>
+      <p:nvGrpSpPr>
+        <p:cNvPr id="1" name=""/>
+        <p:cNvGrpSpPr/>
+        <p:nvPr/>
+      </p:nvGrpSpPr>
+      <p:grpSpPr>
+        <a:xfrm>
+          <a:off x="0" y="0"/>
+          <a:ext cx="0" cy="0"/>
+          <a:chOff x="0" y="0"/>
+          <a:chExt cx="0" cy="0"/>
+        </a:xfrm>
+      </p:grpSpPr>
+      <p:sp>
+        <p:nvSpPr>
+          <p:cNvPr id="4" name="Slide Number Placeholder 3">
+            <a:extLst>
+              <a:ext uri="{FF2B5EF4-FFF2-40B4-BE49-F238E27FC236}">
+                <a16:creationId xmlns:a16="http://schemas.microsoft.com/office/drawing/2014/main" id="{D99A43E6-010F-4D2E-A9F3-6AC22079347C}"/>
+              </a:ext>
+            </a:extLst>
+          </p:cNvPr>
+          <p:cNvSpPr>
+            <a:spLocks noGrp="1"/>
+          </p:cNvSpPr>
+          <p:nvPr>
+            <p:ph type="sldNum" idx="12"/>
+          </p:nvPr>
+        </p:nvSpPr>
+        <p:spPr/>
+        <p:txBody>
+          <a:bodyPr/>
+          <a:lstStyle/>
+          <a:p>
+            <a:pPr marL="0" lvl="0" indent="0">
+              <a:spcBef>
+                <a:spcPts val="0"/>
+              </a:spcBef>
+              <a:spcAft>
+                <a:spcPts val="0"/>
+              </a:spcAft>
+              <a:buNone/>
+            </a:pPr>
+            <a:fld id="{00000000-1234-1234-1234-123412341234}" type="slidenum">
+              <a:rPr lang="en-US" smtClean="0"/>
+              <a:t>12</a:t>
+            </a:fld>
+            <a:endParaRPr lang="en-US"/>
+          </a:p>
+        </p:txBody>
+      </p:sp>
+      <p:pic>
+        <p:nvPicPr>
+          <p:cNvPr id="2" name="Picture 1">
+            <a:extLst>
+              <a:ext uri="{FF2B5EF4-FFF2-40B4-BE49-F238E27FC236}">
+                <a16:creationId xmlns:a16="http://schemas.microsoft.com/office/drawing/2014/main" id="{8B464950-1CB4-4C0F-9A3E-B0D9675AE6E6}"/>
+              </a:ext>
+            </a:extLst>
+          </p:cNvPr>
+          <p:cNvPicPr>
+            <a:picLocks noChangeAspect="1"/>
+          </p:cNvPicPr>
+          <p:nvPr/>
+        </p:nvPicPr>
+        <p:blipFill>
+          <a:blip r:embed="rId2"/>
+          <a:stretch>
+            <a:fillRect/>
+          </a:stretch>
+        </p:blipFill>
+        <p:spPr>
+          <a:xfrm>
+            <a:off x="992925" y="159900"/>
+            <a:ext cx="7158150" cy="5819558"/>
+          </a:xfrm>
+          <a:prstGeom prst="rect">
+            <a:avLst/>
+          </a:prstGeom>
+        </p:spPr>
+      </p:pic>
+    </p:spTree>
+    <p:extLst>
+      <p:ext uri="{BB962C8B-B14F-4D97-AF65-F5344CB8AC3E}">
+        <p14:creationId xmlns:p14="http://schemas.microsoft.com/office/powerpoint/2010/main" val="1163966741"/>
+      </p:ext>
+    </p:extLst>
+  </p:cSld>
+  <p:clrMapOvr>
+    <a:masterClrMapping/>
+  </p:clrMapOvr>
+</p:sld>
+</file>
+
 <file path=ppt/slides/slide2.xml><?xml version="1.0" encoding="utf-8"?>
 <p:sld xmlns:a="http://schemas.openxmlformats.org/drawingml/2006/main" xmlns:r="http://schemas.openxmlformats.org/officeDocument/2006/relationships" xmlns:p="http://schemas.openxmlformats.org/presentationml/2006/main">
   <p:cSld>
